--- a/nyt_summarizer_10_10.pptx
+++ b/nyt_summarizer_10_10.pptx
@@ -5,7 +5,7 @@
     <p:sldMasterId id="2147483648" r:id="rId1"/>
   </p:sldMasterIdLst>
   <p:notesMasterIdLst>
-    <p:notesMasterId r:id="rId17"/>
+    <p:notesMasterId r:id="rId18"/>
   </p:notesMasterIdLst>
   <p:sldIdLst>
     <p:sldId id="256" r:id="rId2"/>
@@ -22,7 +22,8 @@
     <p:sldId id="266" r:id="rId13"/>
     <p:sldId id="267" r:id="rId14"/>
     <p:sldId id="268" r:id="rId15"/>
-    <p:sldId id="269" r:id="rId16"/>
+    <p:sldId id="271" r:id="rId16"/>
+    <p:sldId id="269" r:id="rId17"/>
   </p:sldIdLst>
   <p:sldSz cx="13004800" cy="9753600"/>
   <p:notesSz cx="6858000" cy="9144000"/>
@@ -835,32 +836,6 @@
 
 <file path=ppt/slideLayouts/slideLayout10.xml><?xml version="1.0" encoding="utf-8"?>
 <p:sldLayout xmlns:a="http://schemas.openxmlformats.org/drawingml/2006/main" xmlns:r="http://schemas.openxmlformats.org/officeDocument/2006/relationships" xmlns:p="http://schemas.openxmlformats.org/presentationml/2006/main" showMasterSp="0" type="tx">
-  <p:cSld name="Photo">
-    <p:spTree>
-      <p:nvGrpSpPr>
-        <p:cNvPr id="1" name=""/>
-        <p:cNvGrpSpPr/>
-        <p:nvPr/>
-      </p:nvGrpSpPr>
-      <p:grpSpPr>
-        <a:xfrm>
-          <a:off x="0" y="0"/>
-          <a:ext cx="0" cy="0"/>
-          <a:chOff x="0" y="0"/>
-          <a:chExt cx="0" cy="0"/>
-        </a:xfrm>
-      </p:grpSpPr>
-    </p:spTree>
-  </p:cSld>
-  <p:clrMapOvr>
-    <a:masterClrMapping/>
-  </p:clrMapOvr>
-  <p:transition xmlns:p14="http://schemas.microsoft.com/office/powerpoint/2010/main" spd="med"/>
-</p:sldLayout>
-</file>
-
-<file path=ppt/slideLayouts/slideLayout11.xml><?xml version="1.0" encoding="utf-8"?>
-<p:sldLayout xmlns:a="http://schemas.openxmlformats.org/drawingml/2006/main" xmlns:r="http://schemas.openxmlformats.org/officeDocument/2006/relationships" xmlns:p="http://schemas.openxmlformats.org/presentationml/2006/main" showMasterSp="0" type="tx">
   <p:cSld name="Blank">
     <p:spTree>
       <p:nvGrpSpPr>
@@ -886,79 +861,6 @@
 </file>
 
 <file path=ppt/slideLayouts/slideLayout2.xml><?xml version="1.0" encoding="utf-8"?>
-<p:sldLayout xmlns:a="http://schemas.openxmlformats.org/drawingml/2006/main" xmlns:r="http://schemas.openxmlformats.org/officeDocument/2006/relationships" xmlns:p="http://schemas.openxmlformats.org/presentationml/2006/main" showMasterSp="0" type="tx">
-  <p:cSld name="Title - Center">
-    <p:spTree>
-      <p:nvGrpSpPr>
-        <p:cNvPr id="1" name=""/>
-        <p:cNvGrpSpPr/>
-        <p:nvPr/>
-      </p:nvGrpSpPr>
-      <p:grpSpPr>
-        <a:xfrm>
-          <a:off x="0" y="0"/>
-          <a:ext cx="0" cy="0"/>
-          <a:chOff x="0" y="0"/>
-          <a:chExt cx="0" cy="0"/>
-        </a:xfrm>
-      </p:grpSpPr>
-      <p:sp>
-        <p:nvSpPr>
-          <p:cNvPr id="10" name="Shape 10"/>
-          <p:cNvSpPr>
-            <a:spLocks noGrp="1"/>
-          </p:cNvSpPr>
-          <p:nvPr>
-            <p:ph type="title"/>
-          </p:nvPr>
-        </p:nvSpPr>
-        <p:spPr>
-          <a:xfrm>
-            <a:off x="762000" y="3517900"/>
-            <a:ext cx="11480800" cy="2717800"/>
-          </a:xfrm>
-          <a:prstGeom prst="rect">
-            <a:avLst/>
-          </a:prstGeom>
-        </p:spPr>
-        <p:txBody>
-          <a:bodyPr/>
-          <a:lstStyle/>
-          <a:p>
-            <a:pPr lvl="0">
-              <a:defRPr sz="1800" b="0">
-                <a:solidFill>
-                  <a:srgbClr val="000000"/>
-                </a:solidFill>
-                <a:effectLst/>
-              </a:defRPr>
-            </a:pPr>
-            <a:r>
-              <a:rPr sz="6400" b="1">
-                <a:solidFill>
-                  <a:srgbClr val="FFFFFF"/>
-                </a:solidFill>
-                <a:effectLst>
-                  <a:outerShdw blurRad="50800" dist="25400" dir="5400000" rotWithShape="0">
-                    <a:srgbClr val="000000"/>
-                  </a:outerShdw>
-                </a:effectLst>
-              </a:rPr>
-              <a:t>Title Text</a:t>
-            </a:r>
-          </a:p>
-        </p:txBody>
-      </p:sp>
-    </p:spTree>
-  </p:cSld>
-  <p:clrMapOvr>
-    <a:masterClrMapping/>
-  </p:clrMapOvr>
-  <p:transition xmlns:p14="http://schemas.microsoft.com/office/powerpoint/2010/main" spd="med"/>
-</p:sldLayout>
-</file>
-
-<file path=ppt/slideLayouts/slideLayout3.xml><?xml version="1.0" encoding="utf-8"?>
 <p:sldLayout xmlns:a="http://schemas.openxmlformats.org/drawingml/2006/main" xmlns:r="http://schemas.openxmlformats.org/officeDocument/2006/relationships" xmlns:p="http://schemas.openxmlformats.org/presentationml/2006/main" showMasterSp="0" type="tx">
   <p:cSld name="Photo - Vertical">
     <p:spTree>
@@ -1235,7 +1137,7 @@
 </p:sldLayout>
 </file>
 
-<file path=ppt/slideLayouts/slideLayout4.xml><?xml version="1.0" encoding="utf-8"?>
+<file path=ppt/slideLayouts/slideLayout3.xml><?xml version="1.0" encoding="utf-8"?>
 <p:sldLayout xmlns:a="http://schemas.openxmlformats.org/drawingml/2006/main" xmlns:r="http://schemas.openxmlformats.org/officeDocument/2006/relationships" xmlns:p="http://schemas.openxmlformats.org/presentationml/2006/main" showMasterSp="0" type="tx">
   <p:cSld name="Title - Top">
     <p:spTree>
@@ -1308,7 +1210,7 @@
 </p:sldLayout>
 </file>
 
-<file path=ppt/slideLayouts/slideLayout5.xml><?xml version="1.0" encoding="utf-8"?>
+<file path=ppt/slideLayouts/slideLayout4.xml><?xml version="1.0" encoding="utf-8"?>
 <p:sldLayout xmlns:a="http://schemas.openxmlformats.org/drawingml/2006/main" xmlns:r="http://schemas.openxmlformats.org/officeDocument/2006/relationships" xmlns:p="http://schemas.openxmlformats.org/presentationml/2006/main" type="tx">
   <p:cSld name="Title &amp; Bullets">
     <p:spTree>
@@ -1512,7 +1414,7 @@
 </p:sldLayout>
 </file>
 
-<file path=ppt/slideLayouts/slideLayout6.xml><?xml version="1.0" encoding="utf-8"?>
+<file path=ppt/slideLayouts/slideLayout5.xml><?xml version="1.0" encoding="utf-8"?>
 <p:sldLayout xmlns:a="http://schemas.openxmlformats.org/drawingml/2006/main" xmlns:r="http://schemas.openxmlformats.org/officeDocument/2006/relationships" xmlns:p="http://schemas.openxmlformats.org/presentationml/2006/main" showMasterSp="0" type="tx">
   <p:cSld name="Title, Bullets &amp; Photo">
     <p:spTree>
@@ -1770,7 +1672,7 @@
 </p:sldLayout>
 </file>
 
-<file path=ppt/slideLayouts/slideLayout7.xml><?xml version="1.0" encoding="utf-8"?>
+<file path=ppt/slideLayouts/slideLayout6.xml><?xml version="1.0" encoding="utf-8"?>
 <p:sldLayout xmlns:a="http://schemas.openxmlformats.org/drawingml/2006/main" xmlns:r="http://schemas.openxmlformats.org/officeDocument/2006/relationships" xmlns:p="http://schemas.openxmlformats.org/presentationml/2006/main" showMasterSp="0" type="tx">
   <p:cSld name="Bullets">
     <p:spTree>
@@ -1935,7 +1837,7 @@
 </p:sldLayout>
 </file>
 
-<file path=ppt/slideLayouts/slideLayout8.xml><?xml version="1.0" encoding="utf-8"?>
+<file path=ppt/slideLayouts/slideLayout7.xml><?xml version="1.0" encoding="utf-8"?>
 <p:sldLayout xmlns:a="http://schemas.openxmlformats.org/drawingml/2006/main" xmlns:r="http://schemas.openxmlformats.org/officeDocument/2006/relationships" xmlns:p="http://schemas.openxmlformats.org/presentationml/2006/main" showMasterSp="0" type="tx">
   <p:cSld name="Photo - 3 Up">
     <p:spTree>
@@ -1961,9 +1863,35 @@
 </p:sldLayout>
 </file>
 
+<file path=ppt/slideLayouts/slideLayout8.xml><?xml version="1.0" encoding="utf-8"?>
+<p:sldLayout xmlns:a="http://schemas.openxmlformats.org/drawingml/2006/main" xmlns:r="http://schemas.openxmlformats.org/officeDocument/2006/relationships" xmlns:p="http://schemas.openxmlformats.org/presentationml/2006/main" showMasterSp="0" type="tx">
+  <p:cSld name="Quote">
+    <p:spTree>
+      <p:nvGrpSpPr>
+        <p:cNvPr id="1" name=""/>
+        <p:cNvGrpSpPr/>
+        <p:nvPr/>
+      </p:nvGrpSpPr>
+      <p:grpSpPr>
+        <a:xfrm>
+          <a:off x="0" y="0"/>
+          <a:ext cx="0" cy="0"/>
+          <a:chOff x="0" y="0"/>
+          <a:chExt cx="0" cy="0"/>
+        </a:xfrm>
+      </p:grpSpPr>
+    </p:spTree>
+  </p:cSld>
+  <p:clrMapOvr>
+    <a:masterClrMapping/>
+  </p:clrMapOvr>
+  <p:transition xmlns:p14="http://schemas.microsoft.com/office/powerpoint/2010/main" spd="med"/>
+</p:sldLayout>
+</file>
+
 <file path=ppt/slideLayouts/slideLayout9.xml><?xml version="1.0" encoding="utf-8"?>
 <p:sldLayout xmlns:a="http://schemas.openxmlformats.org/drawingml/2006/main" xmlns:r="http://schemas.openxmlformats.org/officeDocument/2006/relationships" xmlns:p="http://schemas.openxmlformats.org/presentationml/2006/main" showMasterSp="0" type="tx">
-  <p:cSld name="Quote">
+  <p:cSld name="Photo">
     <p:spTree>
       <p:nvGrpSpPr>
         <p:cNvPr id="1" name=""/>
@@ -1993,7 +1921,7 @@
     <p:bg>
       <p:bgPr>
         <a:blipFill rotWithShape="1">
-          <a:blip r:embed="rId13"/>
+          <a:blip r:embed="rId12"/>
           <a:srcRect/>
           <a:stretch>
             <a:fillRect/>
@@ -2023,7 +1951,7 @@
           <p:nvPr/>
         </p:nvPicPr>
         <p:blipFill>
-          <a:blip r:embed="rId14">
+          <a:blip r:embed="rId13">
             <a:extLst/>
           </a:blip>
           <a:stretch>
@@ -2254,16 +2182,15 @@
   <p:clrMap bg1="dk1" tx1="lt1" bg2="dk2" tx2="lt2" accent1="accent1" accent2="accent2" accent3="accent3" accent4="accent4" accent5="accent5" accent6="accent6" hlink="hlink" folHlink="folHlink"/>
   <p:sldLayoutIdLst>
     <p:sldLayoutId id="2147483649" r:id="rId1"/>
-    <p:sldLayoutId id="2147483650" r:id="rId2"/>
-    <p:sldLayoutId id="2147483651" r:id="rId3"/>
-    <p:sldLayoutId id="2147483652" r:id="rId4"/>
-    <p:sldLayoutId id="2147483653" r:id="rId5"/>
-    <p:sldLayoutId id="2147483654" r:id="rId6"/>
-    <p:sldLayoutId id="2147483655" r:id="rId7"/>
-    <p:sldLayoutId id="2147483656" r:id="rId8"/>
-    <p:sldLayoutId id="2147483657" r:id="rId9"/>
-    <p:sldLayoutId id="2147483658" r:id="rId10"/>
-    <p:sldLayoutId id="2147483659" r:id="rId11"/>
+    <p:sldLayoutId id="2147483651" r:id="rId2"/>
+    <p:sldLayoutId id="2147483652" r:id="rId3"/>
+    <p:sldLayoutId id="2147483653" r:id="rId4"/>
+    <p:sldLayoutId id="2147483654" r:id="rId5"/>
+    <p:sldLayoutId id="2147483655" r:id="rId6"/>
+    <p:sldLayoutId id="2147483656" r:id="rId7"/>
+    <p:sldLayoutId id="2147483657" r:id="rId8"/>
+    <p:sldLayoutId id="2147483658" r:id="rId9"/>
+    <p:sldLayoutId id="2147483659" r:id="rId10"/>
   </p:sldLayoutIdLst>
   <p:transition xmlns:p14="http://schemas.microsoft.com/office/powerpoint/2010/main" spd="med"/>
   <p:txStyles>
@@ -2783,15 +2710,17 @@
         </p:nvSpPr>
         <p:spPr>
           <a:xfrm>
-            <a:off x="709166" y="63499"/>
-            <a:ext cx="11357868" cy="905075"/>
+            <a:off x="884932" y="982133"/>
+            <a:ext cx="11357868" cy="1111484"/>
           </a:xfrm>
           <a:prstGeom prst="rect">
             <a:avLst/>
           </a:prstGeom>
         </p:spPr>
         <p:txBody>
-          <a:bodyPr/>
+          <a:bodyPr>
+            <a:noAutofit/>
+          </a:bodyPr>
           <a:lstStyle>
             <a:lvl1pPr defTabSz="479044">
               <a:defRPr sz="3900">
@@ -2813,7 +2742,7 @@
               </a:defRPr>
             </a:pPr>
             <a:r>
-              <a:rPr sz="3900" b="1">
+              <a:rPr sz="4800" b="1" dirty="0">
                 <a:solidFill>
                   <a:srgbClr val="FFFFFF"/>
                 </a:solidFill>
@@ -2823,8 +2752,56 @@
                   </a:outerShdw>
                 </a:effectLst>
               </a:rPr>
-              <a:t>NEW YORK TIMES COMMENTS SUMMARIZER</a:t>
-            </a:r>
+              <a:t>NEW YORK TIMES COMMENTS </a:t>
+            </a:r>
+            <a:r>
+              <a:rPr sz="4800" b="1" dirty="0" smtClean="0">
+                <a:solidFill>
+                  <a:srgbClr val="FFFFFF"/>
+                </a:solidFill>
+                <a:effectLst>
+                  <a:outerShdw blurRad="38100" dist="20828" dir="5400000" rotWithShape="0">
+                    <a:srgbClr val="000000"/>
+                  </a:outerShdw>
+                </a:effectLst>
+              </a:rPr>
+              <a:t>SUMMARIZER</a:t>
+            </a:r>
+            <a:r>
+              <a:rPr lang="en-US" sz="4800" b="1" dirty="0" smtClean="0">
+                <a:solidFill>
+                  <a:srgbClr val="FFFFFF"/>
+                </a:solidFill>
+                <a:effectLst>
+                  <a:outerShdw blurRad="38100" dist="20828" dir="5400000" rotWithShape="0">
+                    <a:srgbClr val="000000"/>
+                  </a:outerShdw>
+                </a:effectLst>
+              </a:rPr>
+              <a:t/>
+            </a:r>
+            <a:br>
+              <a:rPr lang="en-US" sz="4800" b="1" dirty="0" smtClean="0">
+                <a:solidFill>
+                  <a:srgbClr val="FFFFFF"/>
+                </a:solidFill>
+                <a:effectLst>
+                  <a:outerShdw blurRad="38100" dist="20828" dir="5400000" rotWithShape="0">
+                    <a:srgbClr val="000000"/>
+                  </a:outerShdw>
+                </a:effectLst>
+              </a:rPr>
+            </a:br>
+            <a:endParaRPr sz="4800" b="1" dirty="0">
+              <a:solidFill>
+                <a:schemeClr val="tx1"/>
+              </a:solidFill>
+              <a:effectLst>
+                <a:outerShdw blurRad="38100" dist="20828" dir="5400000" rotWithShape="0">
+                  <a:srgbClr val="000000"/>
+                </a:outerShdw>
+              </a:effectLst>
+            </a:endParaRPr>
           </a:p>
         </p:txBody>
       </p:sp>
@@ -2910,8 +2887,8 @@
         </p:nvSpPr>
         <p:spPr>
           <a:xfrm>
-            <a:off x="3947108" y="1029129"/>
-            <a:ext cx="5110583" cy="647139"/>
+            <a:off x="5439758" y="1406249"/>
+            <a:ext cx="2125275" cy="595035"/>
           </a:xfrm>
           <a:prstGeom prst="rect">
             <a:avLst/>
@@ -2952,13 +2929,18 @@
               </a:defRPr>
             </a:pPr>
             <a:r>
-              <a:rPr sz="3600" u="sng">
-                <a:solidFill>
-                  <a:srgbClr val="FFFFFF"/>
-                </a:solidFill>
-              </a:rPr>
-              <a:t>http://nytsummarizer.us</a:t>
-            </a:r>
+              <a:rPr lang="en-US" sz="3200" dirty="0" smtClean="0">
+                <a:solidFill>
+                  <a:schemeClr val="tx1"/>
+                </a:solidFill>
+              </a:rPr>
+              <a:t>Peggy Fan</a:t>
+            </a:r>
+            <a:endParaRPr sz="3200" u="sng" dirty="0">
+              <a:solidFill>
+                <a:schemeClr val="tx1"/>
+              </a:solidFill>
+            </a:endParaRPr>
           </a:p>
         </p:txBody>
       </p:sp>
@@ -4879,15 +4861,17 @@
         </p:nvSpPr>
         <p:spPr>
           <a:xfrm>
-            <a:off x="1100664" y="1626491"/>
-            <a:ext cx="11480803" cy="3072509"/>
+            <a:off x="729570" y="956600"/>
+            <a:ext cx="12275230" cy="2684068"/>
           </a:xfrm>
           <a:prstGeom prst="rect">
             <a:avLst/>
           </a:prstGeom>
         </p:spPr>
         <p:txBody>
-          <a:bodyPr/>
+          <a:bodyPr>
+            <a:normAutofit/>
+          </a:bodyPr>
           <a:lstStyle/>
           <a:p>
             <a:pPr lvl="0">
@@ -4899,7 +4883,7 @@
               </a:defRPr>
             </a:pPr>
             <a:r>
-              <a:rPr sz="6400" b="1">
+              <a:rPr sz="8000" b="1" dirty="0">
                 <a:solidFill>
                   <a:srgbClr val="FFFFFF"/>
                 </a:solidFill>
@@ -4909,77 +4893,10 @@
                   </a:outerShdw>
                 </a:effectLst>
               </a:rPr>
-              <a:t>Thank you!</a:t>
-            </a:r>
-          </a:p>
-          <a:p>
-            <a:pPr lvl="0">
-              <a:defRPr sz="1800" b="0">
-                <a:solidFill>
-                  <a:srgbClr val="000000"/>
-                </a:solidFill>
-                <a:effectLst/>
-              </a:defRPr>
-            </a:pPr>
-            <a:r>
-              <a:t/>
-            </a:r>
-            <a:br/>
-            <a:r>
-              <a:rPr sz="3600">
-                <a:solidFill>
-                  <a:srgbClr val="EBEBEB"/>
-                </a:solidFill>
-              </a:rPr>
-              <a:t>nytsummarizer.us</a:t>
-            </a:r>
-          </a:p>
-        </p:txBody>
-      </p:sp>
-      <p:sp>
-        <p:nvSpPr>
-          <p:cNvPr id="101" name="Shape 101"/>
-          <p:cNvSpPr>
-            <a:spLocks noGrp="1"/>
-          </p:cNvSpPr>
-          <p:nvPr>
-            <p:ph type="body" idx="1"/>
-          </p:nvPr>
-        </p:nvSpPr>
-        <p:spPr>
-          <a:xfrm>
-            <a:off x="596899" y="5452533"/>
-            <a:ext cx="12327467" cy="3962403"/>
-          </a:xfrm>
-          <a:prstGeom prst="rect">
-            <a:avLst/>
-          </a:prstGeom>
-        </p:spPr>
-        <p:txBody>
-          <a:bodyPr/>
-          <a:lstStyle/>
-          <a:p>
-            <a:pPr lvl="0">
-              <a:defRPr sz="1800">
-                <a:solidFill>
-                  <a:srgbClr val="000000"/>
-                </a:solidFill>
-                <a:effectLst/>
-              </a:defRPr>
-            </a:pPr>
-            <a:endParaRPr sz="4000"/>
-          </a:p>
-          <a:p>
-            <a:pPr lvl="0">
-              <a:defRPr sz="1800">
-                <a:solidFill>
-                  <a:srgbClr val="000000"/>
-                </a:solidFill>
-                <a:effectLst/>
-              </a:defRPr>
-            </a:pPr>
-            <a:r>
-              <a:rPr sz="3600">
+              <a:t>Thank you</a:t>
+            </a:r>
+            <a:r>
+              <a:rPr sz="8000" b="1" dirty="0" smtClean="0">
                 <a:solidFill>
                   <a:srgbClr val="FFFFFF"/>
                 </a:solidFill>
@@ -4989,54 +4906,13 @@
                   </a:outerShdw>
                 </a:effectLst>
               </a:rPr>
-              <a:t>www.linkedin/in/fanpeggy</a:t>
-            </a:r>
-            <a:endParaRPr sz="4000"/>
-          </a:p>
-          <a:p>
-            <a:pPr lvl="0">
-              <a:defRPr sz="1800">
-                <a:solidFill>
-                  <a:srgbClr val="000000"/>
-                </a:solidFill>
-                <a:effectLst/>
-              </a:defRPr>
-            </a:pPr>
-            <a:endParaRPr sz="4000"/>
-          </a:p>
-          <a:p>
-            <a:pPr lvl="0">
-              <a:defRPr sz="1800">
-                <a:solidFill>
-                  <a:srgbClr val="000000"/>
-                </a:solidFill>
-                <a:effectLst/>
-              </a:defRPr>
-            </a:pPr>
-            <a:endParaRPr sz="4000"/>
-          </a:p>
-          <a:p>
-            <a:pPr lvl="0">
-              <a:defRPr sz="1800">
-                <a:solidFill>
-                  <a:srgbClr val="000000"/>
-                </a:solidFill>
-                <a:effectLst/>
-              </a:defRPr>
-            </a:pPr>
-            <a:r>
-              <a:rPr sz="3600">
-                <a:solidFill>
-                  <a:srgbClr val="FFFFFF"/>
-                </a:solidFill>
-                <a:effectLst>
-                  <a:outerShdw blurRad="50800" dist="25400" dir="5400000" rotWithShape="0">
-                    <a:srgbClr val="000000"/>
-                  </a:outerShdw>
-                </a:effectLst>
-              </a:rPr>
-              <a:t>www.github.com/PeggyFan</a:t>
-            </a:r>
+              <a:t>!</a:t>
+            </a:r>
+            <a:endParaRPr sz="8000" dirty="0">
+              <a:solidFill>
+                <a:srgbClr val="EBEBEB"/>
+              </a:solidFill>
+            </a:endParaRPr>
           </a:p>
         </p:txBody>
       </p:sp>
@@ -5056,7 +4932,7 @@
         </p:blipFill>
         <p:spPr>
           <a:xfrm>
-            <a:off x="6595533" y="5465233"/>
+            <a:off x="596899" y="7873224"/>
             <a:ext cx="668869" cy="668869"/>
           </a:xfrm>
           <a:prstGeom prst="rect">
@@ -5083,7 +4959,7 @@
         </p:blipFill>
         <p:spPr>
           <a:xfrm>
-            <a:off x="6493928" y="7205125"/>
+            <a:off x="6759875" y="7873224"/>
             <a:ext cx="872076" cy="872076"/>
           </a:xfrm>
           <a:prstGeom prst="rect">
@@ -5094,6 +4970,324 @@
           </a:ln>
         </p:spPr>
       </p:pic>
+      <p:sp>
+        <p:nvSpPr>
+          <p:cNvPr id="2" name="TextBox 1"/>
+          <p:cNvSpPr txBox="1"/>
+          <p:nvPr/>
+        </p:nvSpPr>
+        <p:spPr>
+          <a:xfrm>
+            <a:off x="1265768" y="7873224"/>
+            <a:ext cx="4744889" cy="718145"/>
+          </a:xfrm>
+          <a:prstGeom prst="rect">
+            <a:avLst/>
+          </a:prstGeom>
+          <a:noFill/>
+          <a:ln w="12700" cap="flat">
+            <a:noFill/>
+            <a:miter lim="400000"/>
+          </a:ln>
+          <a:effectLst/>
+        </p:spPr>
+        <p:style>
+          <a:lnRef idx="0">
+            <a:scrgbClr r="0" g="0" b="0"/>
+          </a:lnRef>
+          <a:fillRef idx="0">
+            <a:scrgbClr r="0" g="0" b="0"/>
+          </a:fillRef>
+          <a:effectRef idx="0">
+            <a:scrgbClr r="0" g="0" b="0"/>
+          </a:effectRef>
+          <a:fontRef idx="none"/>
+        </p:style>
+        <p:txBody>
+          <a:bodyPr rot="0" spcFirstLastPara="1" vertOverflow="overflow" horzOverflow="overflow" vert="horz" wrap="none" lIns="50800" tIns="50800" rIns="50800" bIns="50800" numCol="1" spcCol="38100" rtlCol="0" anchor="ctr">
+            <a:spAutoFit/>
+          </a:bodyPr>
+          <a:lstStyle/>
+          <a:p>
+            <a:pPr lvl="0">
+              <a:defRPr sz="1800">
+                <a:solidFill>
+                  <a:srgbClr val="000000"/>
+                </a:solidFill>
+                <a:effectLst/>
+              </a:defRPr>
+            </a:pPr>
+            <a:r>
+              <a:rPr lang="en-US" altLang="ja-JP" sz="4000" dirty="0" err="1" smtClean="0">
+                <a:solidFill>
+                  <a:srgbClr val="FFFFFF"/>
+                </a:solidFill>
+              </a:rPr>
+              <a:t>linkedin</a:t>
+            </a:r>
+            <a:r>
+              <a:rPr lang="en-US" altLang="ja-JP" sz="4000" dirty="0">
+                <a:solidFill>
+                  <a:srgbClr val="FFFFFF"/>
+                </a:solidFill>
+              </a:rPr>
+              <a:t>/in/</a:t>
+            </a:r>
+            <a:r>
+              <a:rPr lang="en-US" altLang="ja-JP" sz="4000" dirty="0" err="1">
+                <a:solidFill>
+                  <a:srgbClr val="FFFFFF"/>
+                </a:solidFill>
+              </a:rPr>
+              <a:t>fanpeggy</a:t>
+            </a:r>
+            <a:endParaRPr lang="en-US" altLang="ja-JP" sz="4400" dirty="0"/>
+          </a:p>
+        </p:txBody>
+      </p:sp>
+      <p:sp>
+        <p:nvSpPr>
+          <p:cNvPr id="4" name="TextBox 3"/>
+          <p:cNvSpPr txBox="1"/>
+          <p:nvPr/>
+        </p:nvSpPr>
+        <p:spPr>
+          <a:xfrm>
+            <a:off x="7496484" y="7873224"/>
+            <a:ext cx="5176214" cy="718145"/>
+          </a:xfrm>
+          <a:prstGeom prst="rect">
+            <a:avLst/>
+          </a:prstGeom>
+          <a:noFill/>
+          <a:ln w="12700" cap="flat">
+            <a:noFill/>
+            <a:miter lim="400000"/>
+          </a:ln>
+          <a:effectLst/>
+        </p:spPr>
+        <p:style>
+          <a:lnRef idx="0">
+            <a:scrgbClr r="0" g="0" b="0"/>
+          </a:lnRef>
+          <a:fillRef idx="0">
+            <a:scrgbClr r="0" g="0" b="0"/>
+          </a:fillRef>
+          <a:effectRef idx="0">
+            <a:scrgbClr r="0" g="0" b="0"/>
+          </a:effectRef>
+          <a:fontRef idx="none"/>
+        </p:style>
+        <p:txBody>
+          <a:bodyPr rot="0" spcFirstLastPara="1" vertOverflow="overflow" horzOverflow="overflow" vert="horz" wrap="none" lIns="50800" tIns="50800" rIns="50800" bIns="50800" numCol="1" spcCol="38100" rtlCol="0" anchor="ctr">
+            <a:spAutoFit/>
+          </a:bodyPr>
+          <a:lstStyle/>
+          <a:p>
+            <a:pPr lvl="0" rtl="0" latinLnBrk="1" hangingPunct="0"/>
+            <a:r>
+              <a:rPr lang="en-US" altLang="ja-JP" sz="4000" dirty="0" err="1">
+                <a:solidFill>
+                  <a:srgbClr val="FFFFFF"/>
+                </a:solidFill>
+              </a:rPr>
+              <a:t>github.com</a:t>
+            </a:r>
+            <a:r>
+              <a:rPr lang="en-US" altLang="ja-JP" sz="4000" dirty="0">
+                <a:solidFill>
+                  <a:srgbClr val="FFFFFF"/>
+                </a:solidFill>
+              </a:rPr>
+              <a:t>/</a:t>
+            </a:r>
+            <a:r>
+              <a:rPr lang="en-US" altLang="ja-JP" sz="4000" dirty="0" err="1" smtClean="0">
+                <a:solidFill>
+                  <a:srgbClr val="FFFFFF"/>
+                </a:solidFill>
+              </a:rPr>
+              <a:t>PeggyFan</a:t>
+            </a:r>
+            <a:endParaRPr lang="en-US" altLang="ja-JP" sz="4000" dirty="0">
+              <a:solidFill>
+                <a:srgbClr val="FFFFFF"/>
+              </a:solidFill>
+            </a:endParaRPr>
+          </a:p>
+        </p:txBody>
+      </p:sp>
+      <p:sp>
+        <p:nvSpPr>
+          <p:cNvPr id="6" name="TextBox 5"/>
+          <p:cNvSpPr txBox="1"/>
+          <p:nvPr/>
+        </p:nvSpPr>
+        <p:spPr>
+          <a:xfrm>
+            <a:off x="2787391" y="4559849"/>
+            <a:ext cx="7944968" cy="2103140"/>
+          </a:xfrm>
+          <a:prstGeom prst="rect">
+            <a:avLst/>
+          </a:prstGeom>
+          <a:noFill/>
+          <a:ln w="12700" cap="flat">
+            <a:noFill/>
+            <a:miter lim="400000"/>
+          </a:ln>
+          <a:effectLst/>
+        </p:spPr>
+        <p:style>
+          <a:lnRef idx="0">
+            <a:scrgbClr r="0" g="0" b="0"/>
+          </a:lnRef>
+          <a:fillRef idx="0">
+            <a:scrgbClr r="0" g="0" b="0"/>
+          </a:fillRef>
+          <a:effectRef idx="0">
+            <a:scrgbClr r="0" g="0" b="0"/>
+          </a:effectRef>
+          <a:fontRef idx="none"/>
+        </p:style>
+        <p:txBody>
+          <a:bodyPr rot="0" spcFirstLastPara="1" vertOverflow="overflow" horzOverflow="overflow" vert="horz" wrap="square" lIns="50800" tIns="50800" rIns="50800" bIns="50800" numCol="1" spcCol="38100" rtlCol="0" anchor="ctr">
+            <a:spAutoFit/>
+          </a:bodyPr>
+          <a:lstStyle/>
+          <a:p>
+            <a:pPr marL="0" marR="0" indent="0" algn="ctr" defTabSz="584200" rtl="0" fontAlgn="auto" latinLnBrk="1" hangingPunct="0">
+              <a:lnSpc>
+                <a:spcPct val="100000"/>
+              </a:lnSpc>
+              <a:spcBef>
+                <a:spcPts val="0"/>
+              </a:spcBef>
+              <a:spcAft>
+                <a:spcPts val="0"/>
+              </a:spcAft>
+              <a:buClrTx/>
+              <a:buSzTx/>
+              <a:buFontTx/>
+              <a:buNone/>
+              <a:tabLst/>
+            </a:pPr>
+            <a:r>
+              <a:rPr kumimoji="0" lang="en-US" altLang="ja-JP" sz="5400" b="1" i="0" u="none" strike="noStrike" cap="none" spc="0" normalizeH="0" baseline="0" dirty="0" smtClean="0">
+                <a:ln>
+                  <a:noFill/>
+                </a:ln>
+                <a:solidFill>
+                  <a:srgbClr val="EBEBEB"/>
+                </a:solidFill>
+                <a:effectLst>
+                  <a:outerShdw blurRad="50800" dist="25400" dir="5400000" rotWithShape="0">
+                    <a:srgbClr val="000000"/>
+                  </a:outerShdw>
+                </a:effectLst>
+                <a:uFillTx/>
+                <a:sym typeface="Helvetica Neue"/>
+              </a:rPr>
+              <a:t>Peggy Fan </a:t>
+            </a:r>
+          </a:p>
+          <a:p>
+            <a:pPr marL="0" marR="0" indent="0" algn="ctr" defTabSz="584200" rtl="0" fontAlgn="auto" latinLnBrk="1" hangingPunct="0">
+              <a:lnSpc>
+                <a:spcPct val="100000"/>
+              </a:lnSpc>
+              <a:spcBef>
+                <a:spcPts val="0"/>
+              </a:spcBef>
+              <a:spcAft>
+                <a:spcPts val="0"/>
+              </a:spcAft>
+              <a:buClrTx/>
+              <a:buSzTx/>
+              <a:buFontTx/>
+              <a:buNone/>
+              <a:tabLst/>
+            </a:pPr>
+            <a:r>
+              <a:rPr kumimoji="0" lang="en-US" altLang="ja-JP" sz="3800" i="0" u="none" strike="noStrike" cap="none" spc="0" normalizeH="0" baseline="0" dirty="0" smtClean="0">
+                <a:ln>
+                  <a:noFill/>
+                </a:ln>
+                <a:solidFill>
+                  <a:srgbClr val="EBEBEB"/>
+                </a:solidFill>
+                <a:effectLst>
+                  <a:outerShdw blurRad="50800" dist="25400" dir="5400000" rotWithShape="0">
+                    <a:srgbClr val="000000"/>
+                  </a:outerShdw>
+                </a:effectLst>
+                <a:uFillTx/>
+                <a:sym typeface="Helvetica Neue"/>
+              </a:rPr>
+              <a:t>with</a:t>
+            </a:r>
+            <a:r>
+              <a:rPr kumimoji="0" lang="en-US" altLang="ja-JP" sz="3800" b="1" i="0" u="none" strike="noStrike" cap="none" spc="0" normalizeH="0" baseline="0" dirty="0" smtClean="0">
+                <a:ln>
+                  <a:noFill/>
+                </a:ln>
+                <a:solidFill>
+                  <a:srgbClr val="EBEBEB"/>
+                </a:solidFill>
+                <a:effectLst>
+                  <a:outerShdw blurRad="50800" dist="25400" dir="5400000" rotWithShape="0">
+                    <a:srgbClr val="000000"/>
+                  </a:outerShdw>
+                </a:effectLst>
+                <a:uFillTx/>
+                <a:sym typeface="Helvetica Neue"/>
+              </a:rPr>
+              <a:t> </a:t>
+            </a:r>
+          </a:p>
+          <a:p>
+            <a:pPr marL="0" marR="0" indent="0" algn="ctr" defTabSz="584200" rtl="0" fontAlgn="auto" latinLnBrk="1" hangingPunct="0">
+              <a:lnSpc>
+                <a:spcPct val="100000"/>
+              </a:lnSpc>
+              <a:spcBef>
+                <a:spcPts val="0"/>
+              </a:spcBef>
+              <a:spcAft>
+                <a:spcPts val="0"/>
+              </a:spcAft>
+              <a:buClrTx/>
+              <a:buSzTx/>
+              <a:buFontTx/>
+              <a:buNone/>
+              <a:tabLst/>
+            </a:pPr>
+            <a:r>
+              <a:rPr lang="en-US" altLang="ja-JP" b="1" dirty="0" err="1"/>
+              <a:t>n</a:t>
+            </a:r>
+            <a:r>
+              <a:rPr lang="en-US" altLang="ja-JP" b="1" dirty="0" err="1" smtClean="0"/>
+              <a:t>ytsummarizer.us</a:t>
+            </a:r>
+            <a:endParaRPr kumimoji="0" lang="ja-JP" altLang="en-US" sz="3800" b="1" i="0" u="none" strike="noStrike" cap="none" spc="0" normalizeH="0" baseline="0" dirty="0">
+              <a:ln>
+                <a:noFill/>
+              </a:ln>
+              <a:solidFill>
+                <a:srgbClr val="EBEBEB"/>
+              </a:solidFill>
+              <a:effectLst>
+                <a:outerShdw blurRad="50800" dist="25400" dir="5400000" rotWithShape="0">
+                  <a:srgbClr val="000000"/>
+                </a:outerShdw>
+              </a:effectLst>
+              <a:uFillTx/>
+              <a:sym typeface="Helvetica Neue"/>
+            </a:endParaRPr>
+          </a:p>
+        </p:txBody>
+      </p:sp>
     </p:spTree>
   </p:cSld>
   <p:clrMapOvr>
@@ -5139,7 +5333,7 @@
         </p:nvSpPr>
         <p:spPr>
           <a:xfrm>
-            <a:off x="584199" y="88900"/>
+            <a:off x="719665" y="88900"/>
             <a:ext cx="11574961" cy="818455"/>
           </a:xfrm>
           <a:prstGeom prst="rect">
@@ -5169,7 +5363,7 @@
               </a:defRPr>
             </a:pPr>
             <a:r>
-              <a:rPr sz="4700" b="1">
+              <a:rPr sz="4700" b="1" dirty="0">
                 <a:solidFill>
                   <a:srgbClr val="FFFFFF"/>
                 </a:solidFill>
@@ -5192,8 +5386,8 @@
         </p:nvSpPr>
         <p:spPr>
           <a:xfrm>
-            <a:off x="332126" y="1093387"/>
-            <a:ext cx="10825328" cy="1818487"/>
+            <a:off x="150701" y="3003358"/>
+            <a:ext cx="2174823" cy="3118803"/>
           </a:xfrm>
           <a:prstGeom prst="rect">
             <a:avLst/>
@@ -5208,7 +5402,7 @@
           </a:extLst>
         </p:spPr>
         <p:txBody>
-          <a:bodyPr lIns="50800" tIns="50800" rIns="50800" bIns="50800" anchor="ctr">
+          <a:bodyPr wrap="square" lIns="50800" tIns="50800" rIns="50800" bIns="50800" anchor="ctr">
             <a:spAutoFit/>
           </a:bodyPr>
           <a:lstStyle/>
@@ -5222,7 +5416,7 @@
               </a:defRPr>
             </a:pPr>
             <a:r>
-              <a:rPr sz="2800">
+              <a:rPr sz="2800" dirty="0" smtClean="0">
                 <a:solidFill>
                   <a:srgbClr val="EBEBEB"/>
                 </a:solidFill>
@@ -5236,9 +5430,26 @@
                 <a:cs typeface="Helvetica Neue Medium"/>
                 <a:sym typeface="Helvetica Neue Medium"/>
               </a:rPr>
-              <a:t>Matrix factorization: </a:t>
-            </a:r>
-            <a:endParaRPr>
+              <a:t>Dimensionality </a:t>
+            </a:r>
+            <a:r>
+              <a:rPr sz="2800" dirty="0">
+                <a:solidFill>
+                  <a:srgbClr val="EBEBEB"/>
+                </a:solidFill>
+                <a:effectLst>
+                  <a:outerShdw blurRad="50800" dist="25400" dir="5400000" rotWithShape="0">
+                    <a:srgbClr val="000000"/>
+                  </a:outerShdw>
+                </a:effectLst>
+                <a:latin typeface="Helvetica Neue Medium"/>
+                <a:ea typeface="Helvetica Neue Medium"/>
+                <a:cs typeface="Helvetica Neue Medium"/>
+                <a:sym typeface="Helvetica Neue Medium"/>
+              </a:rPr>
+              <a:t>reduction</a:t>
+            </a:r>
+            <a:endParaRPr dirty="0">
               <a:latin typeface="Helvetica Neue Medium"/>
               <a:ea typeface="Helvetica Neue Medium"/>
               <a:cs typeface="Helvetica Neue Medium"/>
@@ -5255,7 +5466,7 @@
               </a:defRPr>
             </a:pPr>
             <a:r>
-              <a:rPr sz="2800">
+              <a:rPr sz="2800" dirty="0">
                 <a:solidFill>
                   <a:srgbClr val="EBEBEB"/>
                 </a:solidFill>
@@ -5269,9 +5480,9 @@
                 <a:cs typeface="Helvetica Neue Medium"/>
                 <a:sym typeface="Helvetica Neue Medium"/>
               </a:rPr>
-              <a:t>Dimensionality reduction</a:t>
-            </a:r>
-            <a:endParaRPr>
+              <a:t>Latent properties</a:t>
+            </a:r>
+            <a:endParaRPr dirty="0">
               <a:latin typeface="Helvetica Neue Medium"/>
               <a:ea typeface="Helvetica Neue Medium"/>
               <a:cs typeface="Helvetica Neue Medium"/>
@@ -5288,40 +5499,7 @@
               </a:defRPr>
             </a:pPr>
             <a:r>
-              <a:rPr sz="2800">
-                <a:solidFill>
-                  <a:srgbClr val="EBEBEB"/>
-                </a:solidFill>
-                <a:effectLst>
-                  <a:outerShdw blurRad="50800" dist="25400" dir="5400000" rotWithShape="0">
-                    <a:srgbClr val="000000"/>
-                  </a:outerShdw>
-                </a:effectLst>
-                <a:latin typeface="Helvetica Neue Medium"/>
-                <a:ea typeface="Helvetica Neue Medium"/>
-                <a:cs typeface="Helvetica Neue Medium"/>
-                <a:sym typeface="Helvetica Neue Medium"/>
-              </a:rPr>
-              <a:t>Latent properties</a:t>
-            </a:r>
-            <a:endParaRPr>
-              <a:latin typeface="Helvetica Neue Medium"/>
-              <a:ea typeface="Helvetica Neue Medium"/>
-              <a:cs typeface="Helvetica Neue Medium"/>
-              <a:sym typeface="Helvetica Neue Medium"/>
-            </a:endParaRPr>
-          </a:p>
-          <a:p>
-            <a:pPr lvl="0" algn="l">
-              <a:defRPr sz="1800">
-                <a:solidFill>
-                  <a:srgbClr val="000000"/>
-                </a:solidFill>
-                <a:effectLst/>
-              </a:defRPr>
-            </a:pPr>
-            <a:r>
-              <a:rPr sz="2800">
+              <a:rPr sz="2800" dirty="0">
                 <a:solidFill>
                   <a:srgbClr val="EBEBEB"/>
                 </a:solidFill>
@@ -5356,8 +5534,8 @@
         </p:blipFill>
         <p:spPr>
           <a:xfrm>
-            <a:off x="1956204" y="2601747"/>
-            <a:ext cx="9295594" cy="7184439"/>
+            <a:off x="2325524" y="2094623"/>
+            <a:ext cx="10679275" cy="7174492"/>
           </a:xfrm>
           <a:prstGeom prst="rect">
             <a:avLst/>
@@ -5367,6 +5545,86 @@
           </a:ln>
         </p:spPr>
       </p:pic>
+      <p:sp>
+        <p:nvSpPr>
+          <p:cNvPr id="2" name="TextBox 1"/>
+          <p:cNvSpPr txBox="1"/>
+          <p:nvPr/>
+        </p:nvSpPr>
+        <p:spPr>
+          <a:xfrm>
+            <a:off x="3146407" y="1194278"/>
+            <a:ext cx="7339526" cy="687368"/>
+          </a:xfrm>
+          <a:prstGeom prst="rect">
+            <a:avLst/>
+          </a:prstGeom>
+          <a:noFill/>
+          <a:ln w="12700" cap="flat">
+            <a:noFill/>
+            <a:miter lim="400000"/>
+          </a:ln>
+          <a:effectLst/>
+        </p:spPr>
+        <p:style>
+          <a:lnRef idx="0">
+            <a:scrgbClr r="0" g="0" b="0"/>
+          </a:lnRef>
+          <a:fillRef idx="0">
+            <a:scrgbClr r="0" g="0" b="0"/>
+          </a:fillRef>
+          <a:effectRef idx="0">
+            <a:scrgbClr r="0" g="0" b="0"/>
+          </a:effectRef>
+          <a:fontRef idx="none"/>
+        </p:style>
+        <p:txBody>
+          <a:bodyPr rot="0" spcFirstLastPara="1" vertOverflow="overflow" horzOverflow="overflow" vert="horz" wrap="none" lIns="50800" tIns="50800" rIns="50800" bIns="50800" numCol="1" spcCol="38100" rtlCol="0" anchor="ctr">
+            <a:spAutoFit/>
+          </a:bodyPr>
+          <a:lstStyle/>
+          <a:p>
+            <a:pPr marL="0" marR="0" indent="0" algn="ctr" defTabSz="584200" rtl="0" fontAlgn="auto" latinLnBrk="1" hangingPunct="0">
+              <a:lnSpc>
+                <a:spcPct val="100000"/>
+              </a:lnSpc>
+              <a:spcBef>
+                <a:spcPts val="0"/>
+              </a:spcBef>
+              <a:spcAft>
+                <a:spcPts val="0"/>
+              </a:spcAft>
+              <a:buClrTx/>
+              <a:buSzTx/>
+              <a:buFontTx/>
+              <a:buNone/>
+              <a:tabLst/>
+            </a:pPr>
+            <a:r>
+              <a:rPr lang="en-US" altLang="ja-JP" dirty="0" smtClean="0"/>
+              <a:t>Non-negative matrix factorization</a:t>
+            </a:r>
+            <a:endParaRPr kumimoji="0" lang="ja-JP" altLang="en-US" sz="3800" b="0" i="0" u="none" strike="noStrike" cap="none" spc="0" normalizeH="0" baseline="0" dirty="0">
+              <a:ln>
+                <a:noFill/>
+              </a:ln>
+              <a:solidFill>
+                <a:srgbClr val="EBEBEB"/>
+              </a:solidFill>
+              <a:effectLst>
+                <a:outerShdw blurRad="50800" dist="25400" dir="5400000" rotWithShape="0">
+                  <a:srgbClr val="000000"/>
+                </a:outerShdw>
+              </a:effectLst>
+              <a:uFillTx/>
+              <a:latin typeface="+mj-lt"/>
+              <a:ea typeface="+mj-ea"/>
+              <a:cs typeface="+mj-cs"/>
+              <a:sym typeface="Helvetica Neue"/>
+            </a:endParaRPr>
+          </a:p>
+        </p:txBody>
+      </p:sp>
     </p:spTree>
   </p:cSld>
   <p:clrMapOvr>
@@ -5402,6 +5660,321 @@
       </p:grpSpPr>
       <p:sp>
         <p:nvSpPr>
+          <p:cNvPr id="105" name="Shape 105"/>
+          <p:cNvSpPr>
+            <a:spLocks noGrp="1"/>
+          </p:cNvSpPr>
+          <p:nvPr>
+            <p:ph type="title"/>
+          </p:nvPr>
+        </p:nvSpPr>
+        <p:spPr>
+          <a:xfrm>
+            <a:off x="770466" y="88900"/>
+            <a:ext cx="11574961" cy="818455"/>
+          </a:xfrm>
+          <a:prstGeom prst="rect">
+            <a:avLst/>
+          </a:prstGeom>
+        </p:spPr>
+        <p:txBody>
+          <a:bodyPr/>
+          <a:lstStyle>
+            <a:lvl1pPr defTabSz="479044">
+              <a:defRPr sz="4700">
+                <a:effectLst>
+                  <a:outerShdw blurRad="38100" dist="20828" dir="5400000" rotWithShape="0">
+                    <a:srgbClr val="000000"/>
+                  </a:outerShdw>
+                </a:effectLst>
+              </a:defRPr>
+            </a:lvl1pPr>
+          </a:lstStyle>
+          <a:p>
+            <a:pPr lvl="0">
+              <a:defRPr sz="1800" b="0">
+                <a:solidFill>
+                  <a:srgbClr val="000000"/>
+                </a:solidFill>
+                <a:effectLst/>
+              </a:defRPr>
+            </a:pPr>
+            <a:r>
+              <a:rPr sz="4700" b="1" dirty="0">
+                <a:solidFill>
+                  <a:srgbClr val="FFFFFF"/>
+                </a:solidFill>
+                <a:effectLst>
+                  <a:outerShdw blurRad="38100" dist="20828" dir="5400000" rotWithShape="0">
+                    <a:srgbClr val="000000"/>
+                  </a:outerShdw>
+                </a:effectLst>
+              </a:rPr>
+              <a:t>Appendices</a:t>
+            </a:r>
+          </a:p>
+        </p:txBody>
+      </p:sp>
+      <p:sp>
+        <p:nvSpPr>
+          <p:cNvPr id="106" name="Shape 106"/>
+          <p:cNvSpPr/>
+          <p:nvPr/>
+        </p:nvSpPr>
+        <p:spPr>
+          <a:xfrm>
+            <a:off x="150701" y="4131452"/>
+            <a:ext cx="13226632" cy="1395254"/>
+          </a:xfrm>
+          <a:prstGeom prst="rect">
+            <a:avLst/>
+          </a:prstGeom>
+          <a:ln w="12700">
+            <a:miter lim="400000"/>
+          </a:ln>
+          <a:extLst>
+            <a:ext uri="{C572A759-6A51-4108-AA02-DFA0A04FC94B}">
+              <ma14:wrappingTextBoxFlag xmlns:ma14="http://schemas.microsoft.com/office/mac/drawingml/2011/main" val="1"/>
+            </a:ext>
+          </a:extLst>
+        </p:spPr>
+        <p:txBody>
+          <a:bodyPr wrap="square" lIns="50800" tIns="50800" rIns="50800" bIns="50800" anchor="ctr">
+            <a:spAutoFit/>
+          </a:bodyPr>
+          <a:lstStyle/>
+          <a:p>
+            <a:pPr lvl="0" algn="l">
+              <a:defRPr sz="1800">
+                <a:solidFill>
+                  <a:srgbClr val="000000"/>
+                </a:solidFill>
+                <a:effectLst/>
+              </a:defRPr>
+            </a:pPr>
+            <a:r>
+              <a:rPr sz="2800" dirty="0" smtClean="0">
+                <a:solidFill>
+                  <a:srgbClr val="EBEBEB"/>
+                </a:solidFill>
+                <a:effectLst>
+                  <a:outerShdw blurRad="50800" dist="25400" dir="5400000" rotWithShape="0">
+                    <a:srgbClr val="000000"/>
+                  </a:outerShdw>
+                </a:effectLst>
+                <a:latin typeface="Helvetica Neue Medium"/>
+                <a:ea typeface="Helvetica Neue Medium"/>
+                <a:cs typeface="Helvetica Neue Medium"/>
+                <a:sym typeface="Helvetica Neue Medium"/>
+              </a:rPr>
+              <a:t>Dimensionality </a:t>
+            </a:r>
+            <a:r>
+              <a:rPr sz="2800" dirty="0">
+                <a:solidFill>
+                  <a:srgbClr val="EBEBEB"/>
+                </a:solidFill>
+                <a:effectLst>
+                  <a:outerShdw blurRad="50800" dist="25400" dir="5400000" rotWithShape="0">
+                    <a:srgbClr val="000000"/>
+                  </a:outerShdw>
+                </a:effectLst>
+                <a:latin typeface="Helvetica Neue Medium"/>
+                <a:ea typeface="Helvetica Neue Medium"/>
+                <a:cs typeface="Helvetica Neue Medium"/>
+                <a:sym typeface="Helvetica Neue Medium"/>
+              </a:rPr>
+              <a:t>reduction</a:t>
+            </a:r>
+            <a:endParaRPr dirty="0">
+              <a:latin typeface="Helvetica Neue Medium"/>
+              <a:ea typeface="Helvetica Neue Medium"/>
+              <a:cs typeface="Helvetica Neue Medium"/>
+              <a:sym typeface="Helvetica Neue Medium"/>
+            </a:endParaRPr>
+          </a:p>
+          <a:p>
+            <a:pPr lvl="0" algn="l">
+              <a:defRPr sz="1800">
+                <a:solidFill>
+                  <a:srgbClr val="000000"/>
+                </a:solidFill>
+                <a:effectLst/>
+              </a:defRPr>
+            </a:pPr>
+            <a:r>
+              <a:rPr sz="2800" dirty="0" smtClean="0">
+                <a:solidFill>
+                  <a:srgbClr val="EBEBEB"/>
+                </a:solidFill>
+                <a:effectLst>
+                  <a:outerShdw blurRad="50800" dist="25400" dir="5400000" rotWithShape="0">
+                    <a:srgbClr val="000000"/>
+                  </a:outerShdw>
+                </a:effectLst>
+                <a:latin typeface="Helvetica Neue Medium"/>
+                <a:ea typeface="Helvetica Neue Medium"/>
+                <a:cs typeface="Helvetica Neue Medium"/>
+                <a:sym typeface="Helvetica Neue Medium"/>
+              </a:rPr>
+              <a:t>Latentproperties</a:t>
+            </a:r>
+            <a:endParaRPr dirty="0">
+              <a:latin typeface="Helvetica Neue Medium"/>
+              <a:ea typeface="Helvetica Neue Medium"/>
+              <a:cs typeface="Helvetica Neue Medium"/>
+              <a:sym typeface="Helvetica Neue Medium"/>
+            </a:endParaRPr>
+          </a:p>
+          <a:p>
+            <a:pPr lvl="0" algn="l">
+              <a:defRPr sz="1800">
+                <a:solidFill>
+                  <a:srgbClr val="000000"/>
+                </a:solidFill>
+                <a:effectLst/>
+              </a:defRPr>
+            </a:pPr>
+            <a:r>
+              <a:rPr sz="2800" dirty="0">
+                <a:solidFill>
+                  <a:srgbClr val="EBEBEB"/>
+                </a:solidFill>
+                <a:effectLst>
+                  <a:outerShdw blurRad="50800" dist="25400" dir="5400000" rotWithShape="0">
+                    <a:srgbClr val="000000"/>
+                  </a:outerShdw>
+                </a:effectLst>
+                <a:latin typeface="Helvetica Neue Medium"/>
+                <a:ea typeface="Helvetica Neue Medium"/>
+                <a:cs typeface="Helvetica Neue Medium"/>
+                <a:sym typeface="Helvetica Neue Medium"/>
+              </a:rPr>
+              <a:t>Linear combination of features</a:t>
+            </a:r>
+          </a:p>
+        </p:txBody>
+      </p:sp>
+      <p:sp>
+        <p:nvSpPr>
+          <p:cNvPr id="2" name="TextBox 1"/>
+          <p:cNvSpPr txBox="1"/>
+          <p:nvPr/>
+        </p:nvSpPr>
+        <p:spPr>
+          <a:xfrm>
+            <a:off x="4369439" y="1186289"/>
+            <a:ext cx="3640407" cy="687368"/>
+          </a:xfrm>
+          <a:prstGeom prst="rect">
+            <a:avLst/>
+          </a:prstGeom>
+          <a:noFill/>
+          <a:ln w="12700" cap="flat">
+            <a:noFill/>
+            <a:miter lim="400000"/>
+          </a:ln>
+          <a:effectLst/>
+        </p:spPr>
+        <p:style>
+          <a:lnRef idx="0">
+            <a:scrgbClr r="0" g="0" b="0"/>
+          </a:lnRef>
+          <a:fillRef idx="0">
+            <a:scrgbClr r="0" g="0" b="0"/>
+          </a:fillRef>
+          <a:effectRef idx="0">
+            <a:scrgbClr r="0" g="0" b="0"/>
+          </a:effectRef>
+          <a:fontRef idx="none"/>
+        </p:style>
+        <p:txBody>
+          <a:bodyPr rot="0" spcFirstLastPara="1" vertOverflow="overflow" horzOverflow="overflow" vert="horz" wrap="none" lIns="50800" tIns="50800" rIns="50800" bIns="50800" numCol="1" spcCol="38100" rtlCol="0" anchor="ctr">
+            <a:spAutoFit/>
+          </a:bodyPr>
+          <a:lstStyle/>
+          <a:p>
+            <a:pPr marL="0" marR="0" indent="0" algn="ctr" defTabSz="584200" rtl="0" fontAlgn="auto" latinLnBrk="1" hangingPunct="0">
+              <a:lnSpc>
+                <a:spcPct val="100000"/>
+              </a:lnSpc>
+              <a:spcBef>
+                <a:spcPts val="0"/>
+              </a:spcBef>
+              <a:spcAft>
+                <a:spcPts val="0"/>
+              </a:spcAft>
+              <a:buClrTx/>
+              <a:buSzTx/>
+              <a:buFontTx/>
+              <a:buNone/>
+              <a:tabLst/>
+            </a:pPr>
+            <a:r>
+              <a:rPr lang="en-US" altLang="ja-JP" dirty="0" smtClean="0"/>
+              <a:t>Descriptive data</a:t>
+            </a:r>
+            <a:endParaRPr kumimoji="0" lang="ja-JP" altLang="en-US" sz="3800" b="0" i="0" u="none" strike="noStrike" cap="none" spc="0" normalizeH="0" baseline="0" dirty="0">
+              <a:ln>
+                <a:noFill/>
+              </a:ln>
+              <a:solidFill>
+                <a:srgbClr val="EBEBEB"/>
+              </a:solidFill>
+              <a:effectLst>
+                <a:outerShdw blurRad="50800" dist="25400" dir="5400000" rotWithShape="0">
+                  <a:srgbClr val="000000"/>
+                </a:outerShdw>
+              </a:effectLst>
+              <a:uFillTx/>
+              <a:latin typeface="+mj-lt"/>
+              <a:ea typeface="+mj-ea"/>
+              <a:cs typeface="+mj-cs"/>
+              <a:sym typeface="Helvetica Neue"/>
+            </a:endParaRPr>
+          </a:p>
+        </p:txBody>
+      </p:sp>
+    </p:spTree>
+    <p:extLst>
+      <p:ext uri="{BB962C8B-B14F-4D97-AF65-F5344CB8AC3E}">
+        <p14:creationId xmlns:p14="http://schemas.microsoft.com/office/powerpoint/2010/main" val="3485612055"/>
+      </p:ext>
+    </p:extLst>
+  </p:cSld>
+  <p:clrMapOvr>
+    <a:masterClrMapping/>
+  </p:clrMapOvr>
+  <p:transition xmlns:p14="http://schemas.microsoft.com/office/powerpoint/2010/main" spd="med"/>
+  <p:timing>
+    <p:tnLst>
+      <p:par>
+        <p:cTn xmlns:p14="http://schemas.microsoft.com/office/powerpoint/2010/main" id="1" dur="indefinite" restart="never" nodeType="tmRoot"/>
+      </p:par>
+    </p:tnLst>
+  </p:timing>
+</p:sld>
+</file>
+
+<file path=ppt/slides/slide16.xml><?xml version="1.0" encoding="utf-8"?>
+<p:sld xmlns:a="http://schemas.openxmlformats.org/drawingml/2006/main" xmlns:r="http://schemas.openxmlformats.org/officeDocument/2006/relationships" xmlns:p="http://schemas.openxmlformats.org/presentationml/2006/main">
+  <p:cSld>
+    <p:spTree>
+      <p:nvGrpSpPr>
+        <p:cNvPr id="1" name=""/>
+        <p:cNvGrpSpPr/>
+        <p:nvPr/>
+      </p:nvGrpSpPr>
+      <p:grpSpPr>
+        <a:xfrm>
+          <a:off x="0" y="0"/>
+          <a:ext cx="0" cy="0"/>
+          <a:chOff x="0" y="0"/>
+          <a:chExt cx="0" cy="0"/>
+        </a:xfrm>
+      </p:grpSpPr>
+      <p:sp>
+        <p:nvSpPr>
           <p:cNvPr id="109" name="Shape 109"/>
           <p:cNvSpPr>
             <a:spLocks noGrp="1"/>
@@ -5412,15 +5985,17 @@
         </p:nvSpPr>
         <p:spPr>
           <a:xfrm>
-            <a:off x="850900" y="165100"/>
-            <a:ext cx="10920215" cy="863600"/>
+            <a:off x="1054100" y="241300"/>
+            <a:ext cx="11053233" cy="863600"/>
           </a:xfrm>
           <a:prstGeom prst="rect">
             <a:avLst/>
           </a:prstGeom>
         </p:spPr>
         <p:txBody>
-          <a:bodyPr/>
+          <a:bodyPr>
+            <a:normAutofit/>
+          </a:bodyPr>
           <a:lstStyle>
             <a:lvl1pPr defTabSz="508254">
               <a:defRPr sz="5000">
@@ -5442,7 +6017,7 @@
               </a:defRPr>
             </a:pPr>
             <a:r>
-              <a:rPr sz="5000" b="1">
+              <a:rPr sz="5000" b="1" dirty="0">
                 <a:solidFill>
                   <a:srgbClr val="FFFFFF"/>
                 </a:solidFill>
@@ -5470,7 +6045,7 @@
         <p:spPr>
           <a:xfrm>
             <a:off x="457198" y="1104900"/>
-            <a:ext cx="12202967" cy="8345835"/>
+            <a:ext cx="12819738" cy="8345835"/>
           </a:xfrm>
           <a:prstGeom prst="rect">
             <a:avLst/>
@@ -5488,7 +6063,7 @@
                 <a:effectLst/>
               </a:defRPr>
             </a:pPr>
-            <a:endParaRPr sz="2800">
+            <a:endParaRPr sz="2800" dirty="0">
               <a:solidFill>
                 <a:srgbClr val="EBEBEB"/>
               </a:solidFill>
@@ -5504,7 +6079,7 @@
               </a:defRPr>
             </a:pPr>
             <a:r>
-              <a:rPr sz="2800">
+              <a:rPr sz="2800" dirty="0">
                 <a:solidFill>
                   <a:srgbClr val="EBEBEB"/>
                 </a:solidFill>
@@ -5526,7 +6101,7 @@
                 <a:effectLst/>
               </a:defRPr>
             </a:pPr>
-            <a:endParaRPr sz="2800">
+            <a:endParaRPr sz="2800" dirty="0">
               <a:solidFill>
                 <a:srgbClr val="EBEBEB"/>
               </a:solidFill>
@@ -5542,7 +6117,7 @@
               </a:defRPr>
             </a:pPr>
             <a:r>
-              <a:rPr sz="2800">
+              <a:rPr sz="2800" dirty="0">
                 <a:solidFill>
                   <a:srgbClr val="EBEBEB"/>
                 </a:solidFill>
@@ -5565,7 +6140,7 @@
               </a:defRPr>
             </a:pPr>
             <a:r>
-              <a:rPr sz="2800">
+              <a:rPr sz="2800" dirty="0">
                 <a:solidFill>
                   <a:srgbClr val="EBEBEB"/>
                 </a:solidFill>
@@ -5587,7 +6162,7 @@
                 <a:effectLst/>
               </a:defRPr>
             </a:pPr>
-            <a:endParaRPr sz="2800">
+            <a:endParaRPr sz="2800" dirty="0">
               <a:solidFill>
                 <a:srgbClr val="EBEBEB"/>
               </a:solidFill>
@@ -5603,7 +6178,7 @@
               </a:defRPr>
             </a:pPr>
             <a:r>
-              <a:rPr sz="2800">
+              <a:rPr sz="2800" dirty="0">
                 <a:solidFill>
                   <a:srgbClr val="EBEBEB"/>
                 </a:solidFill>
@@ -5625,7 +6200,7 @@
                 <a:effectLst/>
               </a:defRPr>
             </a:pPr>
-            <a:endParaRPr sz="2800">
+            <a:endParaRPr sz="2800" dirty="0">
               <a:solidFill>
                 <a:srgbClr val="EBEBEB"/>
               </a:solidFill>
@@ -5641,7 +6216,7 @@
               </a:defRPr>
             </a:pPr>
             <a:r>
-              <a:rPr sz="2800">
+              <a:rPr sz="2800" dirty="0">
                 <a:solidFill>
                   <a:srgbClr val="EBEBEB"/>
                 </a:solidFill>
@@ -5664,7 +6239,7 @@
               </a:defRPr>
             </a:pPr>
             <a:r>
-              <a:rPr sz="2800">
+              <a:rPr sz="2800" dirty="0">
                 <a:solidFill>
                   <a:srgbClr val="EBEBEB"/>
                 </a:solidFill>
@@ -6912,13 +7487,19 @@
       </p:grpSpPr>
       <p:pic>
         <p:nvPicPr>
-          <p:cNvPr id="56" name="image9.png" descr="slides_trend.png"/>
-          <p:cNvPicPr/>
+          <p:cNvPr id="2" name="Picture 1" descr="slide_trend1.png"/>
+          <p:cNvPicPr>
+            <a:picLocks noChangeAspect="1"/>
+          </p:cNvPicPr>
           <p:nvPr/>
         </p:nvPicPr>
         <p:blipFill>
           <a:blip r:embed="rId2">
-            <a:extLst/>
+            <a:extLst>
+              <a:ext uri="{28A0092B-C50C-407E-A947-70E740481C1C}">
+                <a14:useLocalDpi xmlns:a14="http://schemas.microsoft.com/office/drawing/2010/main" val="0"/>
+              </a:ext>
+            </a:extLst>
           </a:blip>
           <a:stretch>
             <a:fillRect/>
@@ -6926,15 +7507,12 @@
         </p:blipFill>
         <p:spPr>
           <a:xfrm>
-            <a:off x="1" y="1418405"/>
-            <a:ext cx="13004800" cy="6988822"/>
+            <a:off x="-186267" y="1778000"/>
+            <a:ext cx="13512800" cy="6435758"/>
           </a:xfrm>
           <a:prstGeom prst="rect">
             <a:avLst/>
           </a:prstGeom>
-          <a:ln w="12700">
-            <a:miter lim="400000"/>
-          </a:ln>
         </p:spPr>
       </p:pic>
     </p:spTree>
